--- a/보고서/Healing Mood Lamp.pptx
+++ b/보고서/Healing Mood Lamp.pptx
@@ -113,6 +113,22 @@
       </a:defRPr>
     </a:lvl9pPr>
   </p:defaultTextStyle>
+  <p:extLst>
+    <p:ext uri="{EFAFB233-063F-42B5-8137-9DF3F51BA10A}">
+      <p15:sldGuideLst xmlns:p15="http://schemas.microsoft.com/office/powerpoint/2012/main">
+        <p15:guide id="1" orient="horz" pos="2160">
+          <p15:clr>
+            <a:srgbClr val="A4A3A4"/>
+          </p15:clr>
+        </p15:guide>
+        <p15:guide id="2" pos="2880">
+          <p15:clr>
+            <a:srgbClr val="A4A3A4"/>
+          </p15:clr>
+        </p15:guide>
+      </p15:sldGuideLst>
+    </p:ext>
+  </p:extLst>
 </p:presentation>
 </file>
 
@@ -364,7 +380,7 @@
           <a:p>
             <a:fld id="{4D2A07B4-7B45-45C3-AF41-A7825FBC19B7}" type="datetimeFigureOut">
               <a:rPr lang="ko-KR" altLang="en-US" smtClean="0"/>
-              <a:t>2016-12-04</a:t>
+              <a:t>2016-12-08</a:t>
             </a:fld>
             <a:endParaRPr lang="ko-KR" altLang="en-US"/>
           </a:p>
@@ -587,7 +603,7 @@
           <a:p>
             <a:fld id="{4D2A07B4-7B45-45C3-AF41-A7825FBC19B7}" type="datetimeFigureOut">
               <a:rPr lang="ko-KR" altLang="en-US" smtClean="0"/>
-              <a:t>2016-12-04</a:t>
+              <a:t>2016-12-08</a:t>
             </a:fld>
             <a:endParaRPr lang="ko-KR" altLang="en-US"/>
           </a:p>
@@ -867,7 +883,7 @@
           <a:p>
             <a:fld id="{4D2A07B4-7B45-45C3-AF41-A7825FBC19B7}" type="datetimeFigureOut">
               <a:rPr lang="ko-KR" altLang="en-US" smtClean="0"/>
-              <a:t>2016-12-04</a:t>
+              <a:t>2016-12-08</a:t>
             </a:fld>
             <a:endParaRPr lang="ko-KR" altLang="en-US"/>
           </a:p>
@@ -1046,7 +1062,7 @@
           <a:p>
             <a:fld id="{4D2A07B4-7B45-45C3-AF41-A7825FBC19B7}" type="datetimeFigureOut">
               <a:rPr lang="ko-KR" altLang="en-US" smtClean="0"/>
-              <a:t>2016-12-04</a:t>
+              <a:t>2016-12-08</a:t>
             </a:fld>
             <a:endParaRPr lang="ko-KR" altLang="en-US"/>
           </a:p>
@@ -1404,7 +1420,7 @@
           <a:p>
             <a:fld id="{4D2A07B4-7B45-45C3-AF41-A7825FBC19B7}" type="datetimeFigureOut">
               <a:rPr lang="ko-KR" altLang="en-US" smtClean="0"/>
-              <a:t>2016-12-04</a:t>
+              <a:t>2016-12-08</a:t>
             </a:fld>
             <a:endParaRPr lang="ko-KR" altLang="en-US"/>
           </a:p>
@@ -1691,7 +1707,7 @@
           <a:p>
             <a:fld id="{4D2A07B4-7B45-45C3-AF41-A7825FBC19B7}" type="datetimeFigureOut">
               <a:rPr lang="ko-KR" altLang="en-US" smtClean="0"/>
-              <a:t>2016-12-04</a:t>
+              <a:t>2016-12-08</a:t>
             </a:fld>
             <a:endParaRPr lang="ko-KR" altLang="en-US"/>
           </a:p>
@@ -2113,7 +2129,7 @@
           <a:p>
             <a:fld id="{4D2A07B4-7B45-45C3-AF41-A7825FBC19B7}" type="datetimeFigureOut">
               <a:rPr lang="ko-KR" altLang="en-US" smtClean="0"/>
-              <a:t>2016-12-04</a:t>
+              <a:t>2016-12-08</a:t>
             </a:fld>
             <a:endParaRPr lang="ko-KR" altLang="en-US"/>
           </a:p>
@@ -2228,7 +2244,7 @@
           <a:p>
             <a:fld id="{4D2A07B4-7B45-45C3-AF41-A7825FBC19B7}" type="datetimeFigureOut">
               <a:rPr lang="ko-KR" altLang="en-US" smtClean="0"/>
-              <a:t>2016-12-04</a:t>
+              <a:t>2016-12-08</a:t>
             </a:fld>
             <a:endParaRPr lang="ko-KR" altLang="en-US"/>
           </a:p>
@@ -2318,7 +2334,7 @@
           <a:p>
             <a:fld id="{4D2A07B4-7B45-45C3-AF41-A7825FBC19B7}" type="datetimeFigureOut">
               <a:rPr lang="ko-KR" altLang="en-US" smtClean="0"/>
-              <a:t>2016-12-04</a:t>
+              <a:t>2016-12-08</a:t>
             </a:fld>
             <a:endParaRPr lang="ko-KR" altLang="en-US"/>
           </a:p>
@@ -2596,7 +2612,7 @@
           <a:p>
             <a:fld id="{4D2A07B4-7B45-45C3-AF41-A7825FBC19B7}" type="datetimeFigureOut">
               <a:rPr lang="ko-KR" altLang="en-US" smtClean="0"/>
-              <a:t>2016-12-04</a:t>
+              <a:t>2016-12-08</a:t>
             </a:fld>
             <a:endParaRPr lang="ko-KR" altLang="en-US"/>
           </a:p>
@@ -2962,7 +2978,7 @@
           <a:p>
             <a:fld id="{4D2A07B4-7B45-45C3-AF41-A7825FBC19B7}" type="datetimeFigureOut">
               <a:rPr lang="ko-KR" altLang="en-US" smtClean="0"/>
-              <a:t>2016-12-04</a:t>
+              <a:t>2016-12-08</a:t>
             </a:fld>
             <a:endParaRPr lang="ko-KR" altLang="en-US"/>
           </a:p>
@@ -3399,7 +3415,7 @@
           <a:p>
             <a:fld id="{4D2A07B4-7B45-45C3-AF41-A7825FBC19B7}" type="datetimeFigureOut">
               <a:rPr lang="ko-KR" altLang="en-US" smtClean="0"/>
-              <a:t>2016-12-04</a:t>
+              <a:t>2016-12-08</a:t>
             </a:fld>
             <a:endParaRPr lang="ko-KR" altLang="en-US"/>
           </a:p>
@@ -6254,7 +6270,7 @@
         </p:nvSpPr>
         <p:spPr>
           <a:xfrm>
-            <a:off x="899592" y="755412"/>
+            <a:off x="358541" y="303857"/>
             <a:ext cx="2339102" cy="954107"/>
           </a:xfrm>
           <a:prstGeom prst="rect">

--- a/보고서/Healing Mood Lamp.pptx
+++ b/보고서/Healing Mood Lamp.pptx
@@ -200,7 +200,7 @@
           <a:p>
             <a:fld id="{42D7DC57-967B-4891-9F9C-4484F4828BBC}" type="datetimeFigureOut">
               <a:rPr lang="ko-KR" altLang="en-US" smtClean="0"/>
-              <a:t>2016-12-08</a:t>
+              <a:t>2016-12-10</a:t>
             </a:fld>
             <a:endParaRPr lang="ko-KR" altLang="en-US"/>
           </a:p>
@@ -825,7 +825,7 @@
           <a:p>
             <a:fld id="{4D2A07B4-7B45-45C3-AF41-A7825FBC19B7}" type="datetimeFigureOut">
               <a:rPr lang="ko-KR" altLang="en-US" smtClean="0"/>
-              <a:t>2016-12-08</a:t>
+              <a:t>2016-12-10</a:t>
             </a:fld>
             <a:endParaRPr lang="ko-KR" altLang="en-US"/>
           </a:p>
@@ -995,7 +995,7 @@
           <a:p>
             <a:fld id="{4D2A07B4-7B45-45C3-AF41-A7825FBC19B7}" type="datetimeFigureOut">
               <a:rPr lang="ko-KR" altLang="en-US" smtClean="0"/>
-              <a:t>2016-12-08</a:t>
+              <a:t>2016-12-10</a:t>
             </a:fld>
             <a:endParaRPr lang="ko-KR" altLang="en-US"/>
           </a:p>
@@ -1175,7 +1175,7 @@
           <a:p>
             <a:fld id="{4D2A07B4-7B45-45C3-AF41-A7825FBC19B7}" type="datetimeFigureOut">
               <a:rPr lang="ko-KR" altLang="en-US" smtClean="0"/>
-              <a:t>2016-12-08</a:t>
+              <a:t>2016-12-10</a:t>
             </a:fld>
             <a:endParaRPr lang="ko-KR" altLang="en-US"/>
           </a:p>
@@ -1345,7 +1345,7 @@
           <a:p>
             <a:fld id="{4D2A07B4-7B45-45C3-AF41-A7825FBC19B7}" type="datetimeFigureOut">
               <a:rPr lang="ko-KR" altLang="en-US" smtClean="0"/>
-              <a:t>2016-12-08</a:t>
+              <a:t>2016-12-10</a:t>
             </a:fld>
             <a:endParaRPr lang="ko-KR" altLang="en-US"/>
           </a:p>
@@ -1591,7 +1591,7 @@
           <a:p>
             <a:fld id="{4D2A07B4-7B45-45C3-AF41-A7825FBC19B7}" type="datetimeFigureOut">
               <a:rPr lang="ko-KR" altLang="en-US" smtClean="0"/>
-              <a:t>2016-12-08</a:t>
+              <a:t>2016-12-10</a:t>
             </a:fld>
             <a:endParaRPr lang="ko-KR" altLang="en-US"/>
           </a:p>
@@ -1879,7 +1879,7 @@
           <a:p>
             <a:fld id="{4D2A07B4-7B45-45C3-AF41-A7825FBC19B7}" type="datetimeFigureOut">
               <a:rPr lang="ko-KR" altLang="en-US" smtClean="0"/>
-              <a:t>2016-12-08</a:t>
+              <a:t>2016-12-10</a:t>
             </a:fld>
             <a:endParaRPr lang="ko-KR" altLang="en-US"/>
           </a:p>
@@ -2301,7 +2301,7 @@
           <a:p>
             <a:fld id="{4D2A07B4-7B45-45C3-AF41-A7825FBC19B7}" type="datetimeFigureOut">
               <a:rPr lang="ko-KR" altLang="en-US" smtClean="0"/>
-              <a:t>2016-12-08</a:t>
+              <a:t>2016-12-10</a:t>
             </a:fld>
             <a:endParaRPr lang="ko-KR" altLang="en-US"/>
           </a:p>
@@ -2419,7 +2419,7 @@
           <a:p>
             <a:fld id="{4D2A07B4-7B45-45C3-AF41-A7825FBC19B7}" type="datetimeFigureOut">
               <a:rPr lang="ko-KR" altLang="en-US" smtClean="0"/>
-              <a:t>2016-12-08</a:t>
+              <a:t>2016-12-10</a:t>
             </a:fld>
             <a:endParaRPr lang="ko-KR" altLang="en-US"/>
           </a:p>
@@ -2514,7 +2514,7 @@
           <a:p>
             <a:fld id="{4D2A07B4-7B45-45C3-AF41-A7825FBC19B7}" type="datetimeFigureOut">
               <a:rPr lang="ko-KR" altLang="en-US" smtClean="0"/>
-              <a:t>2016-12-08</a:t>
+              <a:t>2016-12-10</a:t>
             </a:fld>
             <a:endParaRPr lang="ko-KR" altLang="en-US"/>
           </a:p>
@@ -2791,7 +2791,7 @@
           <a:p>
             <a:fld id="{4D2A07B4-7B45-45C3-AF41-A7825FBC19B7}" type="datetimeFigureOut">
               <a:rPr lang="ko-KR" altLang="en-US" smtClean="0"/>
-              <a:t>2016-12-08</a:t>
+              <a:t>2016-12-10</a:t>
             </a:fld>
             <a:endParaRPr lang="ko-KR" altLang="en-US"/>
           </a:p>
@@ -3044,7 +3044,7 @@
           <a:p>
             <a:fld id="{4D2A07B4-7B45-45C3-AF41-A7825FBC19B7}" type="datetimeFigureOut">
               <a:rPr lang="ko-KR" altLang="en-US" smtClean="0"/>
-              <a:t>2016-12-08</a:t>
+              <a:t>2016-12-10</a:t>
             </a:fld>
             <a:endParaRPr lang="ko-KR" altLang="en-US"/>
           </a:p>
@@ -3257,7 +3257,7 @@
           <a:p>
             <a:fld id="{4D2A07B4-7B45-45C3-AF41-A7825FBC19B7}" type="datetimeFigureOut">
               <a:rPr lang="ko-KR" altLang="en-US" smtClean="0"/>
-              <a:t>2016-12-08</a:t>
+              <a:t>2016-12-10</a:t>
             </a:fld>
             <a:endParaRPr lang="ko-KR" altLang="en-US"/>
           </a:p>
@@ -3831,15 +3831,7 @@
                   <a:schemeClr val="bg1"/>
                 </a:solidFill>
               </a:rPr>
-              <a:t>Healing Mood </a:t>
-            </a:r>
-            <a:r>
-              <a:rPr lang="en-US" altLang="ko-KR" dirty="0" smtClean="0">
-                <a:solidFill>
-                  <a:schemeClr val="bg1"/>
-                </a:solidFill>
-              </a:rPr>
-              <a:t>Lamp</a:t>
+              <a:t>Healing Mood Lamp</a:t>
             </a:r>
             <a:br>
               <a:rPr lang="en-US" altLang="ko-KR" dirty="0" smtClean="0">
@@ -5547,13 +5539,6 @@
               </a:rPr>
               <a:t>컴퓨터공학부</a:t>
             </a:r>
-            <a:endParaRPr lang="ko-KR" altLang="en-US" sz="2800" dirty="0" smtClean="0">
-              <a:solidFill>
-                <a:srgbClr val="000000"/>
-              </a:solidFill>
-              <a:latin typeface="+mj-lt"/>
-              <a:ea typeface="a옛날목욕탕L" panose="02020600000000000000" pitchFamily="18" charset="-127"/>
-            </a:endParaRPr>
           </a:p>
           <a:p>
             <a:pPr marL="358775" indent="-358775" algn="r" defTabSz="927100" eaLnBrk="1" hangingPunct="1">
@@ -5578,13 +5563,6 @@
               </a:rPr>
               <a:t>2013136046</a:t>
             </a:r>
-            <a:endParaRPr lang="en-US" altLang="ko-KR" sz="2800" dirty="0" smtClean="0">
-              <a:solidFill>
-                <a:srgbClr val="000000"/>
-              </a:solidFill>
-              <a:latin typeface="+mj-lt"/>
-              <a:ea typeface="a옛날목욕탕L" panose="02020600000000000000" pitchFamily="18" charset="-127"/>
-            </a:endParaRPr>
           </a:p>
           <a:p>
             <a:pPr marL="358775" indent="-358775" algn="r" defTabSz="927100" eaLnBrk="1" hangingPunct="1">
@@ -5609,13 +5587,6 @@
               </a:rPr>
               <a:t>박주환</a:t>
             </a:r>
-            <a:endParaRPr lang="ko-KR" altLang="en-US" sz="2800" dirty="0" smtClean="0">
-              <a:solidFill>
-                <a:srgbClr val="000000"/>
-              </a:solidFill>
-              <a:latin typeface="+mj-lt"/>
-              <a:ea typeface="a옛날목욕탕L" panose="02020600000000000000" pitchFamily="18" charset="-127"/>
-            </a:endParaRPr>
           </a:p>
         </p:txBody>
       </p:sp>
@@ -17994,15 +17965,7 @@
                   <a:schemeClr val="tx1"/>
                 </a:solidFill>
               </a:rPr>
-              <a:t>    </a:t>
-            </a:r>
-            <a:r>
-              <a:rPr lang="en-US" altLang="ko-KR" b="1" dirty="0" smtClean="0">
-                <a:solidFill>
-                  <a:schemeClr val="tx1"/>
-                </a:solidFill>
-              </a:rPr>
-              <a:t>Bluetooth </a:t>
+              <a:t>    Bluetooth </a:t>
             </a:r>
             <a:r>
               <a:rPr lang="ko-KR" altLang="en-US" b="1" dirty="0" smtClean="0">
@@ -21141,6 +21104,95 @@
           </a:p>
         </p:txBody>
       </p:sp>
+      <p:sp>
+        <p:nvSpPr>
+          <p:cNvPr id="2" name="TextBox 1"/>
+          <p:cNvSpPr txBox="1"/>
+          <p:nvPr/>
+        </p:nvSpPr>
+        <p:spPr>
+          <a:xfrm>
+            <a:off x="1843764" y="5406483"/>
+            <a:ext cx="5451709" cy="646331"/>
+          </a:xfrm>
+          <a:prstGeom prst="rect">
+            <a:avLst/>
+          </a:prstGeom>
+          <a:noFill/>
+        </p:spPr>
+        <p:txBody>
+          <a:bodyPr wrap="square" rtlCol="0">
+            <a:spAutoFit/>
+          </a:bodyPr>
+          <a:lstStyle/>
+          <a:p>
+            <a:r>
+              <a:rPr lang="ko-KR" altLang="en-US" dirty="0" err="1" smtClean="0"/>
+              <a:t>유튜브</a:t>
+            </a:r>
+            <a:r>
+              <a:rPr lang="ko-KR" altLang="en-US" dirty="0" smtClean="0"/>
+              <a:t> 링크 </a:t>
+            </a:r>
+            <a:r>
+              <a:rPr lang="en-US" altLang="ko-KR" dirty="0" smtClean="0"/>
+              <a:t>:</a:t>
+            </a:r>
+          </a:p>
+          <a:p>
+            <a:r>
+              <a:rPr lang="en-US" altLang="ko-KR" dirty="0" smtClean="0"/>
+              <a:t>https</a:t>
+            </a:r>
+            <a:r>
+              <a:rPr lang="en-US" altLang="ko-KR" dirty="0"/>
+              <a:t>://www.youtube.com/watch?v=1s10uEGSHi0</a:t>
+            </a:r>
+            <a:endParaRPr lang="ko-KR" altLang="en-US" dirty="0"/>
+          </a:p>
+        </p:txBody>
+      </p:sp>
+      <p:pic>
+        <p:nvPicPr>
+          <p:cNvPr id="1026" name="Picture 2" descr="C:\Users\jng94\OneDrive\문서\2013136046\제작사진\KakaoTalk_20161209_185143683.jpg"/>
+          <p:cNvPicPr>
+            <a:picLocks noChangeAspect="1" noChangeArrowheads="1"/>
+          </p:cNvPicPr>
+          <p:nvPr/>
+        </p:nvPicPr>
+        <p:blipFill>
+          <a:blip r:embed="rId2">
+            <a:extLst>
+              <a:ext uri="{28A0092B-C50C-407E-A947-70E740481C1C}">
+                <a14:useLocalDpi xmlns:a14="http://schemas.microsoft.com/office/drawing/2010/main" val="0"/>
+              </a:ext>
+            </a:extLst>
+          </a:blip>
+          <a:srcRect/>
+          <a:stretch>
+            <a:fillRect/>
+          </a:stretch>
+        </p:blipFill>
+        <p:spPr bwMode="auto">
+          <a:xfrm>
+            <a:off x="1880426" y="1916832"/>
+            <a:ext cx="5605375" cy="3153023"/>
+          </a:xfrm>
+          <a:prstGeom prst="rect">
+            <a:avLst/>
+          </a:prstGeom>
+          <a:noFill/>
+          <a:extLst>
+            <a:ext uri="{909E8E84-426E-40DD-AFC4-6F175D3DCCD1}">
+              <a14:hiddenFill xmlns:a14="http://schemas.microsoft.com/office/drawing/2010/main">
+                <a:solidFill>
+                  <a:srgbClr val="FFFFFF"/>
+                </a:solidFill>
+              </a14:hiddenFill>
+            </a:ext>
+          </a:extLst>
+        </p:spPr>
+      </p:pic>
     </p:spTree>
     <p:extLst>
       <p:ext uri="{BB962C8B-B14F-4D97-AF65-F5344CB8AC3E}">
